--- a/Gamerlytics.pptx
+++ b/Gamerlytics.pptx
@@ -4,6 +4,9 @@
   <p:sldMasterIdLst>
     <p:sldMasterId id="2147483660" r:id="rId1"/>
   </p:sldMasterIdLst>
+  <p:notesMasterIdLst>
+    <p:notesMasterId r:id="rId14"/>
+  </p:notesMasterIdLst>
   <p:sldIdLst>
     <p:sldId id="256" r:id="rId2"/>
     <p:sldId id="257" r:id="rId3"/>
@@ -126,13 +129,1233 @@
 <file path=ppt/revisionInfo.xml><?xml version="1.0" encoding="utf-8"?>
 <p1510:revInfo xmlns:a="http://schemas.openxmlformats.org/drawingml/2006/main" xmlns:r="http://schemas.openxmlformats.org/officeDocument/2006/relationships" xmlns:p1510="http://schemas.microsoft.com/office/powerpoint/2015/10/main">
   <p1510:revLst>
-    <p1510:client id="{13F6559C-1CCA-4BAF-ACF1-98360DFCE382}" v="1874" dt="2022-11-01T04:28:54.433"/>
-    <p1510:client id="{21EDD1E8-563F-8B02-076B-02AEFDB87AA3}" v="456" dt="2022-11-01T16:58:55.665"/>
+    <p1510:client id="{00AF5B10-72A0-243B-E33D-F29160F8E8DD}" v="102" dt="2022-11-01T21:23:21.627"/>
+    <p1510:client id="{13F6559C-1CCA-4BAF-ACF1-98360DFCE382}" v="1985" dt="2022-11-01T21:16:26.910"/>
+    <p1510:client id="{21EDD1E8-563F-8B02-076B-02AEFDB87AA3}" v="460" dt="2022-11-01T21:08:42.496"/>
     <p1510:client id="{64552D0C-7598-3C2F-4548-5B915450E239}" v="209" dt="2022-11-01T03:29:18.071"/>
     <p1510:client id="{89DE8282-0472-464F-855D-D6C0FA32174D}" v="381" dt="2022-11-01T09:31:25.082"/>
     <p1510:client id="{A531EB10-622E-6620-1912-E8C1E2684326}" v="360" vWet="361" dt="2022-11-01T02:51:56.344"/>
   </p1510:revLst>
 </p1510:revInfo>
+</file>
+
+<file path=ppt/notesMasters/notesMaster1.xml><?xml version="1.0" encoding="utf-8"?>
+<p:notesMaster xmlns:a="http://schemas.openxmlformats.org/drawingml/2006/main" xmlns:r="http://schemas.openxmlformats.org/officeDocument/2006/relationships" xmlns:p="http://schemas.openxmlformats.org/presentationml/2006/main">
+  <p:cSld>
+    <p:bg>
+      <p:bgRef idx="1001">
+        <a:schemeClr val="bg1"/>
+      </p:bgRef>
+    </p:bg>
+    <p:spTree>
+      <p:nvGrpSpPr>
+        <p:cNvPr id="1" name=""/>
+        <p:cNvGrpSpPr/>
+        <p:nvPr/>
+      </p:nvGrpSpPr>
+      <p:grpSpPr>
+        <a:xfrm>
+          <a:off x="0" y="0"/>
+          <a:ext cx="0" cy="0"/>
+          <a:chOff x="0" y="0"/>
+          <a:chExt cx="0" cy="0"/>
+        </a:xfrm>
+      </p:grpSpPr>
+      <p:sp>
+        <p:nvSpPr>
+          <p:cNvPr id="2" name="Header Placeholder 1"/>
+          <p:cNvSpPr>
+            <a:spLocks noGrp="1"/>
+          </p:cNvSpPr>
+          <p:nvPr>
+            <p:ph type="hdr" sz="quarter"/>
+          </p:nvPr>
+        </p:nvSpPr>
+        <p:spPr>
+          <a:xfrm>
+            <a:off x="0" y="0"/>
+            <a:ext cx="2971800" cy="458788"/>
+          </a:xfrm>
+          <a:prstGeom prst="rect">
+            <a:avLst/>
+          </a:prstGeom>
+        </p:spPr>
+        <p:txBody>
+          <a:bodyPr vert="horz" lIns="91440" tIns="45720" rIns="91440" bIns="45720" rtlCol="0"/>
+          <a:lstStyle>
+            <a:lvl1pPr algn="l">
+              <a:defRPr sz="1200"/>
+            </a:lvl1pPr>
+          </a:lstStyle>
+          <a:p>
+            <a:endParaRPr lang="en-US"/>
+          </a:p>
+        </p:txBody>
+      </p:sp>
+      <p:sp>
+        <p:nvSpPr>
+          <p:cNvPr id="3" name="Date Placeholder 2"/>
+          <p:cNvSpPr>
+            <a:spLocks noGrp="1"/>
+          </p:cNvSpPr>
+          <p:nvPr>
+            <p:ph type="dt" idx="1"/>
+          </p:nvPr>
+        </p:nvSpPr>
+        <p:spPr>
+          <a:xfrm>
+            <a:off x="3884613" y="0"/>
+            <a:ext cx="2971800" cy="458788"/>
+          </a:xfrm>
+          <a:prstGeom prst="rect">
+            <a:avLst/>
+          </a:prstGeom>
+        </p:spPr>
+        <p:txBody>
+          <a:bodyPr vert="horz" lIns="91440" tIns="45720" rIns="91440" bIns="45720" rtlCol="0"/>
+          <a:lstStyle>
+            <a:lvl1pPr algn="r">
+              <a:defRPr sz="1200"/>
+            </a:lvl1pPr>
+          </a:lstStyle>
+          <a:p>
+            <a:fld id="{4422F502-D95B-4E39-876A-95A8E7D7DDB0}" type="datetimeFigureOut">
+              <a:rPr lang="en-US" smtClean="0"/>
+              <a:t>11/1/2022</a:t>
+            </a:fld>
+            <a:endParaRPr lang="en-US"/>
+          </a:p>
+        </p:txBody>
+      </p:sp>
+      <p:sp>
+        <p:nvSpPr>
+          <p:cNvPr id="4" name="Slide Image Placeholder 3"/>
+          <p:cNvSpPr>
+            <a:spLocks noGrp="1" noRot="1" noChangeAspect="1"/>
+          </p:cNvSpPr>
+          <p:nvPr>
+            <p:ph type="sldImg" idx="2"/>
+          </p:nvPr>
+        </p:nvSpPr>
+        <p:spPr>
+          <a:xfrm>
+            <a:off x="685800" y="1143000"/>
+            <a:ext cx="5486400" cy="3086100"/>
+          </a:xfrm>
+          <a:prstGeom prst="rect">
+            <a:avLst/>
+          </a:prstGeom>
+          <a:noFill/>
+          <a:ln w="12700">
+            <a:solidFill>
+              <a:prstClr val="black"/>
+            </a:solidFill>
+          </a:ln>
+        </p:spPr>
+        <p:txBody>
+          <a:bodyPr vert="horz" lIns="91440" tIns="45720" rIns="91440" bIns="45720" rtlCol="0" anchor="ctr"/>
+          <a:lstStyle/>
+          <a:p>
+            <a:endParaRPr lang="en-US"/>
+          </a:p>
+        </p:txBody>
+      </p:sp>
+      <p:sp>
+        <p:nvSpPr>
+          <p:cNvPr id="5" name="Notes Placeholder 4"/>
+          <p:cNvSpPr>
+            <a:spLocks noGrp="1"/>
+          </p:cNvSpPr>
+          <p:nvPr>
+            <p:ph type="body" sz="quarter" idx="3"/>
+          </p:nvPr>
+        </p:nvSpPr>
+        <p:spPr>
+          <a:xfrm>
+            <a:off x="685800" y="4400550"/>
+            <a:ext cx="5486400" cy="3600450"/>
+          </a:xfrm>
+          <a:prstGeom prst="rect">
+            <a:avLst/>
+          </a:prstGeom>
+        </p:spPr>
+        <p:txBody>
+          <a:bodyPr vert="horz" lIns="91440" tIns="45720" rIns="91440" bIns="45720" rtlCol="0"/>
+          <a:lstStyle/>
+          <a:p>
+            <a:pPr lvl="0"/>
+            <a:r>
+              <a:rPr lang="en-US"/>
+              <a:t>Click to edit Master text styles</a:t>
+            </a:r>
+          </a:p>
+          <a:p>
+            <a:pPr lvl="1"/>
+            <a:r>
+              <a:rPr lang="en-US"/>
+              <a:t>Second level</a:t>
+            </a:r>
+          </a:p>
+          <a:p>
+            <a:pPr lvl="2"/>
+            <a:r>
+              <a:rPr lang="en-US"/>
+              <a:t>Third level</a:t>
+            </a:r>
+          </a:p>
+          <a:p>
+            <a:pPr lvl="3"/>
+            <a:r>
+              <a:rPr lang="en-US"/>
+              <a:t>Fourth level</a:t>
+            </a:r>
+          </a:p>
+          <a:p>
+            <a:pPr lvl="4"/>
+            <a:r>
+              <a:rPr lang="en-US"/>
+              <a:t>Fifth level</a:t>
+            </a:r>
+          </a:p>
+        </p:txBody>
+      </p:sp>
+      <p:sp>
+        <p:nvSpPr>
+          <p:cNvPr id="6" name="Footer Placeholder 5"/>
+          <p:cNvSpPr>
+            <a:spLocks noGrp="1"/>
+          </p:cNvSpPr>
+          <p:nvPr>
+            <p:ph type="ftr" sz="quarter" idx="4"/>
+          </p:nvPr>
+        </p:nvSpPr>
+        <p:spPr>
+          <a:xfrm>
+            <a:off x="0" y="8685213"/>
+            <a:ext cx="2971800" cy="458787"/>
+          </a:xfrm>
+          <a:prstGeom prst="rect">
+            <a:avLst/>
+          </a:prstGeom>
+        </p:spPr>
+        <p:txBody>
+          <a:bodyPr vert="horz" lIns="91440" tIns="45720" rIns="91440" bIns="45720" rtlCol="0" anchor="b"/>
+          <a:lstStyle>
+            <a:lvl1pPr algn="l">
+              <a:defRPr sz="1200"/>
+            </a:lvl1pPr>
+          </a:lstStyle>
+          <a:p>
+            <a:endParaRPr lang="en-US"/>
+          </a:p>
+        </p:txBody>
+      </p:sp>
+      <p:sp>
+        <p:nvSpPr>
+          <p:cNvPr id="7" name="Slide Number Placeholder 6"/>
+          <p:cNvSpPr>
+            <a:spLocks noGrp="1"/>
+          </p:cNvSpPr>
+          <p:nvPr>
+            <p:ph type="sldNum" sz="quarter" idx="5"/>
+          </p:nvPr>
+        </p:nvSpPr>
+        <p:spPr>
+          <a:xfrm>
+            <a:off x="3884613" y="8685213"/>
+            <a:ext cx="2971800" cy="458787"/>
+          </a:xfrm>
+          <a:prstGeom prst="rect">
+            <a:avLst/>
+          </a:prstGeom>
+        </p:spPr>
+        <p:txBody>
+          <a:bodyPr vert="horz" lIns="91440" tIns="45720" rIns="91440" bIns="45720" rtlCol="0" anchor="b"/>
+          <a:lstStyle>
+            <a:lvl1pPr algn="r">
+              <a:defRPr sz="1200"/>
+            </a:lvl1pPr>
+          </a:lstStyle>
+          <a:p>
+            <a:fld id="{C43AACEF-23E0-4811-9368-85D42F2315A6}" type="slidenum">
+              <a:rPr lang="en-US" smtClean="0"/>
+              <a:t>‹#›</a:t>
+            </a:fld>
+            <a:endParaRPr lang="en-US"/>
+          </a:p>
+        </p:txBody>
+      </p:sp>
+    </p:spTree>
+    <p:extLst>
+      <p:ext uri="{BB962C8B-B14F-4D97-AF65-F5344CB8AC3E}">
+        <p14:creationId xmlns:p14="http://schemas.microsoft.com/office/powerpoint/2010/main" val="843813567"/>
+      </p:ext>
+    </p:extLst>
+  </p:cSld>
+  <p:clrMap bg1="lt1" tx1="dk1" bg2="lt2" tx2="dk2" accent1="accent1" accent2="accent2" accent3="accent3" accent4="accent4" accent5="accent5" accent6="accent6" hlink="hlink" folHlink="folHlink"/>
+  <p:notesStyle>
+    <a:lvl1pPr marL="0" algn="l" defTabSz="914400" rtl="0" eaLnBrk="1" latinLnBrk="0" hangingPunct="1">
+      <a:defRPr sz="1200" kern="1200">
+        <a:solidFill>
+          <a:schemeClr val="tx1"/>
+        </a:solidFill>
+        <a:latin typeface="+mn-lt"/>
+        <a:ea typeface="+mn-ea"/>
+        <a:cs typeface="+mn-cs"/>
+      </a:defRPr>
+    </a:lvl1pPr>
+    <a:lvl2pPr marL="457200" algn="l" defTabSz="914400" rtl="0" eaLnBrk="1" latinLnBrk="0" hangingPunct="1">
+      <a:defRPr sz="1200" kern="1200">
+        <a:solidFill>
+          <a:schemeClr val="tx1"/>
+        </a:solidFill>
+        <a:latin typeface="+mn-lt"/>
+        <a:ea typeface="+mn-ea"/>
+        <a:cs typeface="+mn-cs"/>
+      </a:defRPr>
+    </a:lvl2pPr>
+    <a:lvl3pPr marL="914400" algn="l" defTabSz="914400" rtl="0" eaLnBrk="1" latinLnBrk="0" hangingPunct="1">
+      <a:defRPr sz="1200" kern="1200">
+        <a:solidFill>
+          <a:schemeClr val="tx1"/>
+        </a:solidFill>
+        <a:latin typeface="+mn-lt"/>
+        <a:ea typeface="+mn-ea"/>
+        <a:cs typeface="+mn-cs"/>
+      </a:defRPr>
+    </a:lvl3pPr>
+    <a:lvl4pPr marL="1371600" algn="l" defTabSz="914400" rtl="0" eaLnBrk="1" latinLnBrk="0" hangingPunct="1">
+      <a:defRPr sz="1200" kern="1200">
+        <a:solidFill>
+          <a:schemeClr val="tx1"/>
+        </a:solidFill>
+        <a:latin typeface="+mn-lt"/>
+        <a:ea typeface="+mn-ea"/>
+        <a:cs typeface="+mn-cs"/>
+      </a:defRPr>
+    </a:lvl4pPr>
+    <a:lvl5pPr marL="1828800" algn="l" defTabSz="914400" rtl="0" eaLnBrk="1" latinLnBrk="0" hangingPunct="1">
+      <a:defRPr sz="1200" kern="1200">
+        <a:solidFill>
+          <a:schemeClr val="tx1"/>
+        </a:solidFill>
+        <a:latin typeface="+mn-lt"/>
+        <a:ea typeface="+mn-ea"/>
+        <a:cs typeface="+mn-cs"/>
+      </a:defRPr>
+    </a:lvl5pPr>
+    <a:lvl6pPr marL="2286000" algn="l" defTabSz="914400" rtl="0" eaLnBrk="1" latinLnBrk="0" hangingPunct="1">
+      <a:defRPr sz="1200" kern="1200">
+        <a:solidFill>
+          <a:schemeClr val="tx1"/>
+        </a:solidFill>
+        <a:latin typeface="+mn-lt"/>
+        <a:ea typeface="+mn-ea"/>
+        <a:cs typeface="+mn-cs"/>
+      </a:defRPr>
+    </a:lvl6pPr>
+    <a:lvl7pPr marL="2743200" algn="l" defTabSz="914400" rtl="0" eaLnBrk="1" latinLnBrk="0" hangingPunct="1">
+      <a:defRPr sz="1200" kern="1200">
+        <a:solidFill>
+          <a:schemeClr val="tx1"/>
+        </a:solidFill>
+        <a:latin typeface="+mn-lt"/>
+        <a:ea typeface="+mn-ea"/>
+        <a:cs typeface="+mn-cs"/>
+      </a:defRPr>
+    </a:lvl7pPr>
+    <a:lvl8pPr marL="3200400" algn="l" defTabSz="914400" rtl="0" eaLnBrk="1" latinLnBrk="0" hangingPunct="1">
+      <a:defRPr sz="1200" kern="1200">
+        <a:solidFill>
+          <a:schemeClr val="tx1"/>
+        </a:solidFill>
+        <a:latin typeface="+mn-lt"/>
+        <a:ea typeface="+mn-ea"/>
+        <a:cs typeface="+mn-cs"/>
+      </a:defRPr>
+    </a:lvl8pPr>
+    <a:lvl9pPr marL="3657600" algn="l" defTabSz="914400" rtl="0" eaLnBrk="1" latinLnBrk="0" hangingPunct="1">
+      <a:defRPr sz="1200" kern="1200">
+        <a:solidFill>
+          <a:schemeClr val="tx1"/>
+        </a:solidFill>
+        <a:latin typeface="+mn-lt"/>
+        <a:ea typeface="+mn-ea"/>
+        <a:cs typeface="+mn-cs"/>
+      </a:defRPr>
+    </a:lvl9pPr>
+  </p:notesStyle>
+</p:notesMaster>
+</file>
+
+<file path=ppt/notesSlides/notesSlide1.xml><?xml version="1.0" encoding="utf-8"?>
+<p:notes xmlns:a="http://schemas.openxmlformats.org/drawingml/2006/main" xmlns:r="http://schemas.openxmlformats.org/officeDocument/2006/relationships" xmlns:p="http://schemas.openxmlformats.org/presentationml/2006/main">
+  <p:cSld>
+    <p:spTree>
+      <p:nvGrpSpPr>
+        <p:cNvPr id="1" name=""/>
+        <p:cNvGrpSpPr/>
+        <p:nvPr/>
+      </p:nvGrpSpPr>
+      <p:grpSpPr>
+        <a:xfrm>
+          <a:off x="0" y="0"/>
+          <a:ext cx="0" cy="0"/>
+          <a:chOff x="0" y="0"/>
+          <a:chExt cx="0" cy="0"/>
+        </a:xfrm>
+      </p:grpSpPr>
+      <p:sp>
+        <p:nvSpPr>
+          <p:cNvPr id="2" name="Slide Image Placeholder 1"/>
+          <p:cNvSpPr>
+            <a:spLocks noGrp="1" noRot="1" noChangeAspect="1"/>
+          </p:cNvSpPr>
+          <p:nvPr>
+            <p:ph type="sldImg"/>
+          </p:nvPr>
+        </p:nvSpPr>
+        <p:spPr/>
+      </p:sp>
+      <p:sp>
+        <p:nvSpPr>
+          <p:cNvPr id="3" name="Notes Placeholder 2"/>
+          <p:cNvSpPr>
+            <a:spLocks noGrp="1"/>
+          </p:cNvSpPr>
+          <p:nvPr>
+            <p:ph type="body" idx="1"/>
+          </p:nvPr>
+        </p:nvSpPr>
+        <p:spPr/>
+        <p:txBody>
+          <a:bodyPr/>
+          <a:lstStyle/>
+          <a:p>
+            <a:r>
+              <a:rPr lang="en-US"/>
+              <a:t>Nico</a:t>
+            </a:r>
+          </a:p>
+        </p:txBody>
+      </p:sp>
+      <p:sp>
+        <p:nvSpPr>
+          <p:cNvPr id="4" name="Slide Number Placeholder 3"/>
+          <p:cNvSpPr>
+            <a:spLocks noGrp="1"/>
+          </p:cNvSpPr>
+          <p:nvPr>
+            <p:ph type="sldNum" sz="quarter" idx="5"/>
+          </p:nvPr>
+        </p:nvSpPr>
+        <p:spPr/>
+        <p:txBody>
+          <a:bodyPr/>
+          <a:lstStyle/>
+          <a:p>
+            <a:fld id="{C43AACEF-23E0-4811-9368-85D42F2315A6}" type="slidenum">
+              <a:rPr lang="en-US" smtClean="0"/>
+              <a:t>1</a:t>
+            </a:fld>
+            <a:endParaRPr lang="en-US"/>
+          </a:p>
+        </p:txBody>
+      </p:sp>
+    </p:spTree>
+    <p:extLst>
+      <p:ext uri="{BB962C8B-B14F-4D97-AF65-F5344CB8AC3E}">
+        <p14:creationId xmlns:p14="http://schemas.microsoft.com/office/powerpoint/2010/main" val="310713893"/>
+      </p:ext>
+    </p:extLst>
+  </p:cSld>
+  <p:clrMapOvr>
+    <a:masterClrMapping/>
+  </p:clrMapOvr>
+</p:notes>
+</file>
+
+<file path=ppt/notesSlides/notesSlide10.xml><?xml version="1.0" encoding="utf-8"?>
+<p:notes xmlns:a="http://schemas.openxmlformats.org/drawingml/2006/main" xmlns:r="http://schemas.openxmlformats.org/officeDocument/2006/relationships" xmlns:p="http://schemas.openxmlformats.org/presentationml/2006/main">
+  <p:cSld>
+    <p:spTree>
+      <p:nvGrpSpPr>
+        <p:cNvPr id="1" name=""/>
+        <p:cNvGrpSpPr/>
+        <p:nvPr/>
+      </p:nvGrpSpPr>
+      <p:grpSpPr>
+        <a:xfrm>
+          <a:off x="0" y="0"/>
+          <a:ext cx="0" cy="0"/>
+          <a:chOff x="0" y="0"/>
+          <a:chExt cx="0" cy="0"/>
+        </a:xfrm>
+      </p:grpSpPr>
+      <p:sp>
+        <p:nvSpPr>
+          <p:cNvPr id="2" name="Slide Image Placeholder 1"/>
+          <p:cNvSpPr>
+            <a:spLocks noGrp="1" noRot="1" noChangeAspect="1"/>
+          </p:cNvSpPr>
+          <p:nvPr>
+            <p:ph type="sldImg"/>
+          </p:nvPr>
+        </p:nvSpPr>
+        <p:spPr/>
+      </p:sp>
+      <p:sp>
+        <p:nvSpPr>
+          <p:cNvPr id="3" name="Notes Placeholder 2"/>
+          <p:cNvSpPr>
+            <a:spLocks noGrp="1"/>
+          </p:cNvSpPr>
+          <p:nvPr>
+            <p:ph type="body" idx="1"/>
+          </p:nvPr>
+        </p:nvSpPr>
+        <p:spPr/>
+        <p:txBody>
+          <a:bodyPr/>
+          <a:lstStyle/>
+          <a:p>
+            <a:r>
+              <a:rPr lang="en-US"/>
+              <a:t>Nico</a:t>
+            </a:r>
+          </a:p>
+        </p:txBody>
+      </p:sp>
+      <p:sp>
+        <p:nvSpPr>
+          <p:cNvPr id="4" name="Slide Number Placeholder 3"/>
+          <p:cNvSpPr>
+            <a:spLocks noGrp="1"/>
+          </p:cNvSpPr>
+          <p:nvPr>
+            <p:ph type="sldNum" sz="quarter" idx="5"/>
+          </p:nvPr>
+        </p:nvSpPr>
+        <p:spPr/>
+        <p:txBody>
+          <a:bodyPr/>
+          <a:lstStyle/>
+          <a:p>
+            <a:fld id="{C43AACEF-23E0-4811-9368-85D42F2315A6}" type="slidenum">
+              <a:rPr lang="en-US" smtClean="0"/>
+              <a:t>12</a:t>
+            </a:fld>
+            <a:endParaRPr lang="en-US"/>
+          </a:p>
+        </p:txBody>
+      </p:sp>
+    </p:spTree>
+    <p:extLst>
+      <p:ext uri="{BB962C8B-B14F-4D97-AF65-F5344CB8AC3E}">
+        <p14:creationId xmlns:p14="http://schemas.microsoft.com/office/powerpoint/2010/main" val="150867970"/>
+      </p:ext>
+    </p:extLst>
+  </p:cSld>
+  <p:clrMapOvr>
+    <a:masterClrMapping/>
+  </p:clrMapOvr>
+</p:notes>
+</file>
+
+<file path=ppt/notesSlides/notesSlide2.xml><?xml version="1.0" encoding="utf-8"?>
+<p:notes xmlns:a="http://schemas.openxmlformats.org/drawingml/2006/main" xmlns:r="http://schemas.openxmlformats.org/officeDocument/2006/relationships" xmlns:p="http://schemas.openxmlformats.org/presentationml/2006/main">
+  <p:cSld>
+    <p:spTree>
+      <p:nvGrpSpPr>
+        <p:cNvPr id="1" name=""/>
+        <p:cNvGrpSpPr/>
+        <p:nvPr/>
+      </p:nvGrpSpPr>
+      <p:grpSpPr>
+        <a:xfrm>
+          <a:off x="0" y="0"/>
+          <a:ext cx="0" cy="0"/>
+          <a:chOff x="0" y="0"/>
+          <a:chExt cx="0" cy="0"/>
+        </a:xfrm>
+      </p:grpSpPr>
+      <p:sp>
+        <p:nvSpPr>
+          <p:cNvPr id="2" name="Slide Image Placeholder 1"/>
+          <p:cNvSpPr>
+            <a:spLocks noGrp="1" noRot="1" noChangeAspect="1"/>
+          </p:cNvSpPr>
+          <p:nvPr>
+            <p:ph type="sldImg"/>
+          </p:nvPr>
+        </p:nvSpPr>
+        <p:spPr/>
+      </p:sp>
+      <p:sp>
+        <p:nvSpPr>
+          <p:cNvPr id="3" name="Notes Placeholder 2"/>
+          <p:cNvSpPr>
+            <a:spLocks noGrp="1"/>
+          </p:cNvSpPr>
+          <p:nvPr>
+            <p:ph type="body" idx="1"/>
+          </p:nvPr>
+        </p:nvSpPr>
+        <p:spPr/>
+        <p:txBody>
+          <a:bodyPr/>
+          <a:lstStyle/>
+          <a:p>
+            <a:r>
+              <a:rPr lang="en-US"/>
+              <a:t>Nico</a:t>
+            </a:r>
+          </a:p>
+        </p:txBody>
+      </p:sp>
+      <p:sp>
+        <p:nvSpPr>
+          <p:cNvPr id="4" name="Slide Number Placeholder 3"/>
+          <p:cNvSpPr>
+            <a:spLocks noGrp="1"/>
+          </p:cNvSpPr>
+          <p:nvPr>
+            <p:ph type="sldNum" sz="quarter" idx="5"/>
+          </p:nvPr>
+        </p:nvSpPr>
+        <p:spPr/>
+        <p:txBody>
+          <a:bodyPr/>
+          <a:lstStyle/>
+          <a:p>
+            <a:fld id="{C43AACEF-23E0-4811-9368-85D42F2315A6}" type="slidenum">
+              <a:rPr lang="en-US" smtClean="0"/>
+              <a:t>2</a:t>
+            </a:fld>
+            <a:endParaRPr lang="en-US"/>
+          </a:p>
+        </p:txBody>
+      </p:sp>
+    </p:spTree>
+    <p:extLst>
+      <p:ext uri="{BB962C8B-B14F-4D97-AF65-F5344CB8AC3E}">
+        <p14:creationId xmlns:p14="http://schemas.microsoft.com/office/powerpoint/2010/main" val="2140462829"/>
+      </p:ext>
+    </p:extLst>
+  </p:cSld>
+  <p:clrMapOvr>
+    <a:masterClrMapping/>
+  </p:clrMapOvr>
+</p:notes>
+</file>
+
+<file path=ppt/notesSlides/notesSlide3.xml><?xml version="1.0" encoding="utf-8"?>
+<p:notes xmlns:a="http://schemas.openxmlformats.org/drawingml/2006/main" xmlns:r="http://schemas.openxmlformats.org/officeDocument/2006/relationships" xmlns:p="http://schemas.openxmlformats.org/presentationml/2006/main">
+  <p:cSld>
+    <p:spTree>
+      <p:nvGrpSpPr>
+        <p:cNvPr id="1" name=""/>
+        <p:cNvGrpSpPr/>
+        <p:nvPr/>
+      </p:nvGrpSpPr>
+      <p:grpSpPr>
+        <a:xfrm>
+          <a:off x="0" y="0"/>
+          <a:ext cx="0" cy="0"/>
+          <a:chOff x="0" y="0"/>
+          <a:chExt cx="0" cy="0"/>
+        </a:xfrm>
+      </p:grpSpPr>
+      <p:sp>
+        <p:nvSpPr>
+          <p:cNvPr id="2" name="Slide Image Placeholder 1"/>
+          <p:cNvSpPr>
+            <a:spLocks noGrp="1" noRot="1" noChangeAspect="1"/>
+          </p:cNvSpPr>
+          <p:nvPr>
+            <p:ph type="sldImg"/>
+          </p:nvPr>
+        </p:nvSpPr>
+        <p:spPr/>
+      </p:sp>
+      <p:sp>
+        <p:nvSpPr>
+          <p:cNvPr id="3" name="Notes Placeholder 2"/>
+          <p:cNvSpPr>
+            <a:spLocks noGrp="1"/>
+          </p:cNvSpPr>
+          <p:nvPr>
+            <p:ph type="body" idx="1"/>
+          </p:nvPr>
+        </p:nvSpPr>
+        <p:spPr/>
+        <p:txBody>
+          <a:bodyPr/>
+          <a:lstStyle/>
+          <a:p>
+            <a:r>
+              <a:rPr lang="en-US"/>
+              <a:t>Huntley</a:t>
+            </a:r>
+          </a:p>
+        </p:txBody>
+      </p:sp>
+      <p:sp>
+        <p:nvSpPr>
+          <p:cNvPr id="4" name="Slide Number Placeholder 3"/>
+          <p:cNvSpPr>
+            <a:spLocks noGrp="1"/>
+          </p:cNvSpPr>
+          <p:nvPr>
+            <p:ph type="sldNum" sz="quarter" idx="5"/>
+          </p:nvPr>
+        </p:nvSpPr>
+        <p:spPr/>
+        <p:txBody>
+          <a:bodyPr/>
+          <a:lstStyle/>
+          <a:p>
+            <a:fld id="{C43AACEF-23E0-4811-9368-85D42F2315A6}" type="slidenum">
+              <a:rPr lang="en-US" smtClean="0"/>
+              <a:t>3</a:t>
+            </a:fld>
+            <a:endParaRPr lang="en-US"/>
+          </a:p>
+        </p:txBody>
+      </p:sp>
+    </p:spTree>
+    <p:extLst>
+      <p:ext uri="{BB962C8B-B14F-4D97-AF65-F5344CB8AC3E}">
+        <p14:creationId xmlns:p14="http://schemas.microsoft.com/office/powerpoint/2010/main" val="2789616356"/>
+      </p:ext>
+    </p:extLst>
+  </p:cSld>
+  <p:clrMapOvr>
+    <a:masterClrMapping/>
+  </p:clrMapOvr>
+</p:notes>
+</file>
+
+<file path=ppt/notesSlides/notesSlide4.xml><?xml version="1.0" encoding="utf-8"?>
+<p:notes xmlns:a="http://schemas.openxmlformats.org/drawingml/2006/main" xmlns:r="http://schemas.openxmlformats.org/officeDocument/2006/relationships" xmlns:p="http://schemas.openxmlformats.org/presentationml/2006/main">
+  <p:cSld>
+    <p:spTree>
+      <p:nvGrpSpPr>
+        <p:cNvPr id="1" name=""/>
+        <p:cNvGrpSpPr/>
+        <p:nvPr/>
+      </p:nvGrpSpPr>
+      <p:grpSpPr>
+        <a:xfrm>
+          <a:off x="0" y="0"/>
+          <a:ext cx="0" cy="0"/>
+          <a:chOff x="0" y="0"/>
+          <a:chExt cx="0" cy="0"/>
+        </a:xfrm>
+      </p:grpSpPr>
+      <p:sp>
+        <p:nvSpPr>
+          <p:cNvPr id="2" name="Slide Image Placeholder 1"/>
+          <p:cNvSpPr>
+            <a:spLocks noGrp="1" noRot="1" noChangeAspect="1"/>
+          </p:cNvSpPr>
+          <p:nvPr>
+            <p:ph type="sldImg"/>
+          </p:nvPr>
+        </p:nvSpPr>
+        <p:spPr/>
+      </p:sp>
+      <p:sp>
+        <p:nvSpPr>
+          <p:cNvPr id="3" name="Notes Placeholder 2"/>
+          <p:cNvSpPr>
+            <a:spLocks noGrp="1"/>
+          </p:cNvSpPr>
+          <p:nvPr>
+            <p:ph type="body" idx="1"/>
+          </p:nvPr>
+        </p:nvSpPr>
+        <p:spPr/>
+        <p:txBody>
+          <a:bodyPr/>
+          <a:lstStyle/>
+          <a:p>
+            <a:r>
+              <a:rPr lang="en-US"/>
+              <a:t>Nico</a:t>
+            </a:r>
+          </a:p>
+        </p:txBody>
+      </p:sp>
+      <p:sp>
+        <p:nvSpPr>
+          <p:cNvPr id="4" name="Slide Number Placeholder 3"/>
+          <p:cNvSpPr>
+            <a:spLocks noGrp="1"/>
+          </p:cNvSpPr>
+          <p:nvPr>
+            <p:ph type="sldNum" sz="quarter" idx="5"/>
+          </p:nvPr>
+        </p:nvSpPr>
+        <p:spPr/>
+        <p:txBody>
+          <a:bodyPr/>
+          <a:lstStyle/>
+          <a:p>
+            <a:fld id="{C43AACEF-23E0-4811-9368-85D42F2315A6}" type="slidenum">
+              <a:rPr lang="en-US" smtClean="0"/>
+              <a:t>4</a:t>
+            </a:fld>
+            <a:endParaRPr lang="en-US"/>
+          </a:p>
+        </p:txBody>
+      </p:sp>
+    </p:spTree>
+    <p:extLst>
+      <p:ext uri="{BB962C8B-B14F-4D97-AF65-F5344CB8AC3E}">
+        <p14:creationId xmlns:p14="http://schemas.microsoft.com/office/powerpoint/2010/main" val="2298901372"/>
+      </p:ext>
+    </p:extLst>
+  </p:cSld>
+  <p:clrMapOvr>
+    <a:masterClrMapping/>
+  </p:clrMapOvr>
+</p:notes>
+</file>
+
+<file path=ppt/notesSlides/notesSlide5.xml><?xml version="1.0" encoding="utf-8"?>
+<p:notes xmlns:a="http://schemas.openxmlformats.org/drawingml/2006/main" xmlns:r="http://schemas.openxmlformats.org/officeDocument/2006/relationships" xmlns:p="http://schemas.openxmlformats.org/presentationml/2006/main">
+  <p:cSld>
+    <p:spTree>
+      <p:nvGrpSpPr>
+        <p:cNvPr id="1" name=""/>
+        <p:cNvGrpSpPr/>
+        <p:nvPr/>
+      </p:nvGrpSpPr>
+      <p:grpSpPr>
+        <a:xfrm>
+          <a:off x="0" y="0"/>
+          <a:ext cx="0" cy="0"/>
+          <a:chOff x="0" y="0"/>
+          <a:chExt cx="0" cy="0"/>
+        </a:xfrm>
+      </p:grpSpPr>
+      <p:sp>
+        <p:nvSpPr>
+          <p:cNvPr id="2" name="Slide Image Placeholder 1"/>
+          <p:cNvSpPr>
+            <a:spLocks noGrp="1" noRot="1" noChangeAspect="1"/>
+          </p:cNvSpPr>
+          <p:nvPr>
+            <p:ph type="sldImg"/>
+          </p:nvPr>
+        </p:nvSpPr>
+        <p:spPr/>
+      </p:sp>
+      <p:sp>
+        <p:nvSpPr>
+          <p:cNvPr id="3" name="Notes Placeholder 2"/>
+          <p:cNvSpPr>
+            <a:spLocks noGrp="1"/>
+          </p:cNvSpPr>
+          <p:nvPr>
+            <p:ph type="body" idx="1"/>
+          </p:nvPr>
+        </p:nvSpPr>
+        <p:spPr/>
+        <p:txBody>
+          <a:bodyPr/>
+          <a:lstStyle/>
+          <a:p>
+            <a:r>
+              <a:rPr lang="en-US"/>
+              <a:t>Devin</a:t>
+            </a:r>
+          </a:p>
+        </p:txBody>
+      </p:sp>
+      <p:sp>
+        <p:nvSpPr>
+          <p:cNvPr id="4" name="Slide Number Placeholder 3"/>
+          <p:cNvSpPr>
+            <a:spLocks noGrp="1"/>
+          </p:cNvSpPr>
+          <p:nvPr>
+            <p:ph type="sldNum" sz="quarter" idx="5"/>
+          </p:nvPr>
+        </p:nvSpPr>
+        <p:spPr/>
+        <p:txBody>
+          <a:bodyPr/>
+          <a:lstStyle/>
+          <a:p>
+            <a:fld id="{C43AACEF-23E0-4811-9368-85D42F2315A6}" type="slidenum">
+              <a:rPr lang="en-US" smtClean="0"/>
+              <a:t>5</a:t>
+            </a:fld>
+            <a:endParaRPr lang="en-US"/>
+          </a:p>
+        </p:txBody>
+      </p:sp>
+    </p:spTree>
+    <p:extLst>
+      <p:ext uri="{BB962C8B-B14F-4D97-AF65-F5344CB8AC3E}">
+        <p14:creationId xmlns:p14="http://schemas.microsoft.com/office/powerpoint/2010/main" val="378641612"/>
+      </p:ext>
+    </p:extLst>
+  </p:cSld>
+  <p:clrMapOvr>
+    <a:masterClrMapping/>
+  </p:clrMapOvr>
+</p:notes>
+</file>
+
+<file path=ppt/notesSlides/notesSlide6.xml><?xml version="1.0" encoding="utf-8"?>
+<p:notes xmlns:a="http://schemas.openxmlformats.org/drawingml/2006/main" xmlns:r="http://schemas.openxmlformats.org/officeDocument/2006/relationships" xmlns:p="http://schemas.openxmlformats.org/presentationml/2006/main">
+  <p:cSld>
+    <p:spTree>
+      <p:nvGrpSpPr>
+        <p:cNvPr id="1" name=""/>
+        <p:cNvGrpSpPr/>
+        <p:nvPr/>
+      </p:nvGrpSpPr>
+      <p:grpSpPr>
+        <a:xfrm>
+          <a:off x="0" y="0"/>
+          <a:ext cx="0" cy="0"/>
+          <a:chOff x="0" y="0"/>
+          <a:chExt cx="0" cy="0"/>
+        </a:xfrm>
+      </p:grpSpPr>
+      <p:sp>
+        <p:nvSpPr>
+          <p:cNvPr id="2" name="Slide Image Placeholder 1"/>
+          <p:cNvSpPr>
+            <a:spLocks noGrp="1" noRot="1" noChangeAspect="1"/>
+          </p:cNvSpPr>
+          <p:nvPr>
+            <p:ph type="sldImg"/>
+          </p:nvPr>
+        </p:nvSpPr>
+        <p:spPr/>
+      </p:sp>
+      <p:sp>
+        <p:nvSpPr>
+          <p:cNvPr id="3" name="Notes Placeholder 2"/>
+          <p:cNvSpPr>
+            <a:spLocks noGrp="1"/>
+          </p:cNvSpPr>
+          <p:nvPr>
+            <p:ph type="body" idx="1"/>
+          </p:nvPr>
+        </p:nvSpPr>
+        <p:spPr/>
+        <p:txBody>
+          <a:bodyPr/>
+          <a:lstStyle/>
+          <a:p>
+            <a:r>
+              <a:rPr lang="en-US"/>
+              <a:t>Devin</a:t>
+            </a:r>
+          </a:p>
+        </p:txBody>
+      </p:sp>
+      <p:sp>
+        <p:nvSpPr>
+          <p:cNvPr id="4" name="Slide Number Placeholder 3"/>
+          <p:cNvSpPr>
+            <a:spLocks noGrp="1"/>
+          </p:cNvSpPr>
+          <p:nvPr>
+            <p:ph type="sldNum" sz="quarter" idx="5"/>
+          </p:nvPr>
+        </p:nvSpPr>
+        <p:spPr/>
+        <p:txBody>
+          <a:bodyPr/>
+          <a:lstStyle/>
+          <a:p>
+            <a:fld id="{C43AACEF-23E0-4811-9368-85D42F2315A6}" type="slidenum">
+              <a:rPr lang="en-US" smtClean="0"/>
+              <a:t>6</a:t>
+            </a:fld>
+            <a:endParaRPr lang="en-US"/>
+          </a:p>
+        </p:txBody>
+      </p:sp>
+    </p:spTree>
+    <p:extLst>
+      <p:ext uri="{BB962C8B-B14F-4D97-AF65-F5344CB8AC3E}">
+        <p14:creationId xmlns:p14="http://schemas.microsoft.com/office/powerpoint/2010/main" val="1736021963"/>
+      </p:ext>
+    </p:extLst>
+  </p:cSld>
+  <p:clrMapOvr>
+    <a:masterClrMapping/>
+  </p:clrMapOvr>
+</p:notes>
+</file>
+
+<file path=ppt/notesSlides/notesSlide7.xml><?xml version="1.0" encoding="utf-8"?>
+<p:notes xmlns:a="http://schemas.openxmlformats.org/drawingml/2006/main" xmlns:r="http://schemas.openxmlformats.org/officeDocument/2006/relationships" xmlns:p="http://schemas.openxmlformats.org/presentationml/2006/main">
+  <p:cSld>
+    <p:spTree>
+      <p:nvGrpSpPr>
+        <p:cNvPr id="1" name=""/>
+        <p:cNvGrpSpPr/>
+        <p:nvPr/>
+      </p:nvGrpSpPr>
+      <p:grpSpPr>
+        <a:xfrm>
+          <a:off x="0" y="0"/>
+          <a:ext cx="0" cy="0"/>
+          <a:chOff x="0" y="0"/>
+          <a:chExt cx="0" cy="0"/>
+        </a:xfrm>
+      </p:grpSpPr>
+      <p:sp>
+        <p:nvSpPr>
+          <p:cNvPr id="2" name="Slide Image Placeholder 1"/>
+          <p:cNvSpPr>
+            <a:spLocks noGrp="1" noRot="1" noChangeAspect="1"/>
+          </p:cNvSpPr>
+          <p:nvPr>
+            <p:ph type="sldImg"/>
+          </p:nvPr>
+        </p:nvSpPr>
+        <p:spPr/>
+      </p:sp>
+      <p:sp>
+        <p:nvSpPr>
+          <p:cNvPr id="3" name="Notes Placeholder 2"/>
+          <p:cNvSpPr>
+            <a:spLocks noGrp="1"/>
+          </p:cNvSpPr>
+          <p:nvPr>
+            <p:ph type="body" idx="1"/>
+          </p:nvPr>
+        </p:nvSpPr>
+        <p:spPr/>
+        <p:txBody>
+          <a:bodyPr/>
+          <a:lstStyle/>
+          <a:p>
+            <a:r>
+              <a:rPr lang="en-US"/>
+              <a:t>Nico</a:t>
+            </a:r>
+          </a:p>
+        </p:txBody>
+      </p:sp>
+      <p:sp>
+        <p:nvSpPr>
+          <p:cNvPr id="4" name="Slide Number Placeholder 3"/>
+          <p:cNvSpPr>
+            <a:spLocks noGrp="1"/>
+          </p:cNvSpPr>
+          <p:nvPr>
+            <p:ph type="sldNum" sz="quarter" idx="5"/>
+          </p:nvPr>
+        </p:nvSpPr>
+        <p:spPr/>
+        <p:txBody>
+          <a:bodyPr/>
+          <a:lstStyle/>
+          <a:p>
+            <a:fld id="{C43AACEF-23E0-4811-9368-85D42F2315A6}" type="slidenum">
+              <a:rPr lang="en-US" smtClean="0"/>
+              <a:t>7</a:t>
+            </a:fld>
+            <a:endParaRPr lang="en-US"/>
+          </a:p>
+        </p:txBody>
+      </p:sp>
+    </p:spTree>
+    <p:extLst>
+      <p:ext uri="{BB962C8B-B14F-4D97-AF65-F5344CB8AC3E}">
+        <p14:creationId xmlns:p14="http://schemas.microsoft.com/office/powerpoint/2010/main" val="341671996"/>
+      </p:ext>
+    </p:extLst>
+  </p:cSld>
+  <p:clrMapOvr>
+    <a:masterClrMapping/>
+  </p:clrMapOvr>
+</p:notes>
+</file>
+
+<file path=ppt/notesSlides/notesSlide8.xml><?xml version="1.0" encoding="utf-8"?>
+<p:notes xmlns:a="http://schemas.openxmlformats.org/drawingml/2006/main" xmlns:r="http://schemas.openxmlformats.org/officeDocument/2006/relationships" xmlns:p="http://schemas.openxmlformats.org/presentationml/2006/main">
+  <p:cSld>
+    <p:spTree>
+      <p:nvGrpSpPr>
+        <p:cNvPr id="1" name=""/>
+        <p:cNvGrpSpPr/>
+        <p:nvPr/>
+      </p:nvGrpSpPr>
+      <p:grpSpPr>
+        <a:xfrm>
+          <a:off x="0" y="0"/>
+          <a:ext cx="0" cy="0"/>
+          <a:chOff x="0" y="0"/>
+          <a:chExt cx="0" cy="0"/>
+        </a:xfrm>
+      </p:grpSpPr>
+      <p:sp>
+        <p:nvSpPr>
+          <p:cNvPr id="2" name="Slide Image Placeholder 1"/>
+          <p:cNvSpPr>
+            <a:spLocks noGrp="1" noRot="1" noChangeAspect="1"/>
+          </p:cNvSpPr>
+          <p:nvPr>
+            <p:ph type="sldImg"/>
+          </p:nvPr>
+        </p:nvSpPr>
+        <p:spPr/>
+      </p:sp>
+      <p:sp>
+        <p:nvSpPr>
+          <p:cNvPr id="3" name="Notes Placeholder 2"/>
+          <p:cNvSpPr>
+            <a:spLocks noGrp="1"/>
+          </p:cNvSpPr>
+          <p:nvPr>
+            <p:ph type="body" idx="1"/>
+          </p:nvPr>
+        </p:nvSpPr>
+        <p:spPr/>
+        <p:txBody>
+          <a:bodyPr/>
+          <a:lstStyle/>
+          <a:p>
+            <a:r>
+              <a:rPr lang="en-US"/>
+              <a:t>Nico</a:t>
+            </a:r>
+          </a:p>
+        </p:txBody>
+      </p:sp>
+      <p:sp>
+        <p:nvSpPr>
+          <p:cNvPr id="4" name="Slide Number Placeholder 3"/>
+          <p:cNvSpPr>
+            <a:spLocks noGrp="1"/>
+          </p:cNvSpPr>
+          <p:nvPr>
+            <p:ph type="sldNum" sz="quarter" idx="5"/>
+          </p:nvPr>
+        </p:nvSpPr>
+        <p:spPr/>
+        <p:txBody>
+          <a:bodyPr/>
+          <a:lstStyle/>
+          <a:p>
+            <a:fld id="{C43AACEF-23E0-4811-9368-85D42F2315A6}" type="slidenum">
+              <a:rPr lang="en-US" smtClean="0"/>
+              <a:t>8</a:t>
+            </a:fld>
+            <a:endParaRPr lang="en-US"/>
+          </a:p>
+        </p:txBody>
+      </p:sp>
+    </p:spTree>
+    <p:extLst>
+      <p:ext uri="{BB962C8B-B14F-4D97-AF65-F5344CB8AC3E}">
+        <p14:creationId xmlns:p14="http://schemas.microsoft.com/office/powerpoint/2010/main" val="3260018126"/>
+      </p:ext>
+    </p:extLst>
+  </p:cSld>
+  <p:clrMapOvr>
+    <a:masterClrMapping/>
+  </p:clrMapOvr>
+</p:notes>
+</file>
+
+<file path=ppt/notesSlides/notesSlide9.xml><?xml version="1.0" encoding="utf-8"?>
+<p:notes xmlns:a="http://schemas.openxmlformats.org/drawingml/2006/main" xmlns:r="http://schemas.openxmlformats.org/officeDocument/2006/relationships" xmlns:p="http://schemas.openxmlformats.org/presentationml/2006/main">
+  <p:cSld>
+    <p:spTree>
+      <p:nvGrpSpPr>
+        <p:cNvPr id="1" name=""/>
+        <p:cNvGrpSpPr/>
+        <p:nvPr/>
+      </p:nvGrpSpPr>
+      <p:grpSpPr>
+        <a:xfrm>
+          <a:off x="0" y="0"/>
+          <a:ext cx="0" cy="0"/>
+          <a:chOff x="0" y="0"/>
+          <a:chExt cx="0" cy="0"/>
+        </a:xfrm>
+      </p:grpSpPr>
+      <p:sp>
+        <p:nvSpPr>
+          <p:cNvPr id="2" name="Slide Image Placeholder 1"/>
+          <p:cNvSpPr>
+            <a:spLocks noGrp="1" noRot="1" noChangeAspect="1"/>
+          </p:cNvSpPr>
+          <p:nvPr>
+            <p:ph type="sldImg"/>
+          </p:nvPr>
+        </p:nvSpPr>
+        <p:spPr/>
+      </p:sp>
+      <p:sp>
+        <p:nvSpPr>
+          <p:cNvPr id="3" name="Notes Placeholder 2"/>
+          <p:cNvSpPr>
+            <a:spLocks noGrp="1"/>
+          </p:cNvSpPr>
+          <p:nvPr>
+            <p:ph type="body" idx="1"/>
+          </p:nvPr>
+        </p:nvSpPr>
+        <p:spPr/>
+        <p:txBody>
+          <a:bodyPr/>
+          <a:lstStyle/>
+          <a:p>
+            <a:r>
+              <a:rPr lang="en-US"/>
+              <a:t>Yi</a:t>
+            </a:r>
+          </a:p>
+        </p:txBody>
+      </p:sp>
+      <p:sp>
+        <p:nvSpPr>
+          <p:cNvPr id="4" name="Slide Number Placeholder 3"/>
+          <p:cNvSpPr>
+            <a:spLocks noGrp="1"/>
+          </p:cNvSpPr>
+          <p:nvPr>
+            <p:ph type="sldNum" sz="quarter" idx="5"/>
+          </p:nvPr>
+        </p:nvSpPr>
+        <p:spPr/>
+        <p:txBody>
+          <a:bodyPr/>
+          <a:lstStyle/>
+          <a:p>
+            <a:fld id="{C43AACEF-23E0-4811-9368-85D42F2315A6}" type="slidenum">
+              <a:rPr lang="en-US" smtClean="0"/>
+              <a:t>11</a:t>
+            </a:fld>
+            <a:endParaRPr lang="en-US"/>
+          </a:p>
+        </p:txBody>
+      </p:sp>
+    </p:spTree>
+    <p:extLst>
+      <p:ext uri="{BB962C8B-B14F-4D97-AF65-F5344CB8AC3E}">
+        <p14:creationId xmlns:p14="http://schemas.microsoft.com/office/powerpoint/2010/main" val="2555169711"/>
+      </p:ext>
+    </p:extLst>
+  </p:cSld>
+  <p:clrMapOvr>
+    <a:masterClrMapping/>
+  </p:clrMapOvr>
+</p:notes>
 </file>
 
 <file path=ppt/slideLayouts/slideLayout1.xml><?xml version="1.0" encoding="utf-8"?>
@@ -5999,7 +7222,7 @@
     <p:bg>
       <p:bgPr>
         <a:blipFill dpi="0" rotWithShape="1">
-          <a:blip r:embed="rId2">
+          <a:blip r:embed="rId3">
             <a:lum/>
           </a:blip>
           <a:srcRect/>
@@ -6429,9 +7652,16 @@
             <p:ph type="title"/>
           </p:nvPr>
         </p:nvSpPr>
-        <p:spPr/>
-        <p:txBody>
-          <a:bodyPr/>
+        <p:spPr>
+          <a:xfrm>
+            <a:off x="822760" y="311054"/>
+            <a:ext cx="10353762" cy="970450"/>
+          </a:xfrm>
+        </p:spPr>
+        <p:txBody>
+          <a:bodyPr>
+            <a:normAutofit fontScale="90000"/>
+          </a:bodyPr>
           <a:lstStyle/>
           <a:p>
             <a:r>
@@ -6453,9 +7683,57 @@
                   </a:outerShdw>
                 </a:effectLst>
               </a:rPr>
-              <a:t>Game Publisher Comparison</a:t>
-            </a:r>
-            <a:endParaRPr lang="en-US"/>
+              <a:t>Gamer Engagement Analysis</a:t>
+            </a:r>
+            <a:br>
+              <a:rPr lang="en-US">
+                <a:ln>
+                  <a:solidFill>
+                    <a:prstClr val="black">
+                      <a:lumMod val="75000"/>
+                      <a:lumOff val="25000"/>
+                      <a:alpha val="10000"/>
+                    </a:prstClr>
+                  </a:solidFill>
+                </a:ln>
+                <a:effectLst>
+                  <a:outerShdw blurRad="9525" dist="25400" dir="14640000" algn="tl" rotWithShape="0">
+                    <a:prstClr val="black">
+                      <a:alpha val="30000"/>
+                    </a:prstClr>
+                  </a:outerShdw>
+                </a:effectLst>
+              </a:rPr>
+            </a:br>
+            <a:r>
+              <a:rPr lang="en-US" sz="2000">
+                <a:ln>
+                  <a:solidFill>
+                    <a:prstClr val="black">
+                      <a:lumMod val="75000"/>
+                      <a:lumOff val="25000"/>
+                      <a:alpha val="10000"/>
+                    </a:prstClr>
+                  </a:solidFill>
+                </a:ln>
+                <a:solidFill>
+                  <a:srgbClr val="0070C0"/>
+                </a:solidFill>
+                <a:effectLst>
+                  <a:outerShdw blurRad="9525" dist="25400" dir="14640000" algn="tl" rotWithShape="0">
+                    <a:prstClr val="black">
+                      <a:alpha val="30000"/>
+                    </a:prstClr>
+                  </a:outerShdw>
+                </a:effectLst>
+              </a:rPr>
+              <a:t>How engaged are players in the past 2 weeks?</a:t>
+            </a:r>
+            <a:endParaRPr lang="en-US" sz="2000">
+              <a:solidFill>
+                <a:srgbClr val="0070C0"/>
+              </a:solidFill>
+            </a:endParaRPr>
           </a:p>
         </p:txBody>
       </p:sp>
@@ -6476,7 +7754,7 @@
           </p:nvPr>
         </p:nvPicPr>
         <p:blipFill>
-          <a:blip r:embed="rId2"/>
+          <a:blip r:embed="rId3"/>
           <a:stretch>
             <a:fillRect/>
           </a:stretch>
@@ -6503,7 +7781,7 @@
           <p:nvPr/>
         </p:nvPicPr>
         <p:blipFill>
-          <a:blip r:embed="rId3"/>
+          <a:blip r:embed="rId4"/>
           <a:stretch>
             <a:fillRect/>
           </a:stretch>
@@ -6562,7 +7840,7 @@
                 <a:ea typeface="+mn-lt"/>
                 <a:cs typeface="+mn-lt"/>
               </a:rPr>
-              <a:t>There is no strong relationship between tiers and median difference </a:t>
+              <a:t>There is no strong relationship between player count and median playtime difference </a:t>
             </a:r>
             <a:endParaRPr lang="en-US"/>
           </a:p>
@@ -6573,7 +7851,7 @@
                 <a:ea typeface="+mn-lt"/>
                 <a:cs typeface="+mn-lt"/>
               </a:rPr>
-              <a:t>There are 1% of the games increased median playtime in past two weeks</a:t>
+              <a:t>There are 1% of the gamers increased median playtime in past two weeks</a:t>
             </a:r>
             <a:endParaRPr lang="en-US"/>
           </a:p>
@@ -6760,7 +8038,7 @@
                   </a:outerShdw>
                 </a:effectLst>
               </a:rPr>
-              <a:t>99% of the games  are losing interest over time</a:t>
+              <a:t>99% of the gamers  are losing interest over time</a:t>
             </a:r>
           </a:p>
         </p:txBody>
@@ -6784,7 +8062,7 @@
     <p:bg>
       <p:bgPr>
         <a:blipFill dpi="0" rotWithShape="1">
-          <a:blip r:embed="rId2">
+          <a:blip r:embed="rId3">
             <a:lum/>
           </a:blip>
           <a:srcRect/>
@@ -6824,7 +8102,7 @@
           <p:nvPr/>
         </p:nvPicPr>
         <p:blipFill>
-          <a:blip r:embed="rId3"/>
+          <a:blip r:embed="rId4"/>
           <a:stretch>
             <a:fillRect/>
           </a:stretch>
@@ -6898,7 +8176,7 @@
           <p:nvPr/>
         </p:nvPicPr>
         <p:blipFill>
-          <a:blip r:embed="rId4"/>
+          <a:blip r:embed="rId5"/>
           <a:stretch>
             <a:fillRect/>
           </a:stretch>
@@ -7075,7 +8353,7 @@
     <p:bg>
       <p:bgPr>
         <a:blipFill rotWithShape="1">
-          <a:blip r:embed="rId2">
+          <a:blip r:embed="rId3">
             <a:duotone>
               <a:schemeClr val="bg2">
                 <a:shade val="80000"/>
@@ -7120,7 +8398,7 @@
           <p:nvPr/>
         </p:nvPicPr>
         <p:blipFill rotWithShape="1">
-          <a:blip r:embed="rId3">
+          <a:blip r:embed="rId4">
             <a:extLst>
               <a:ext uri="{28A0092B-C50C-407E-A947-70E740481C1C}">
                 <a14:useLocalDpi xmlns:a14="http://schemas.microsoft.com/office/drawing/2010/main" val="0"/>
@@ -7164,7 +8442,7 @@
           </p:nvPr>
         </p:nvPicPr>
         <p:blipFill rotWithShape="1">
-          <a:blip r:embed="rId4">
+          <a:blip r:embed="rId5">
             <a:extLst>
               <a:ext uri="{28A0092B-C50C-407E-A947-70E740481C1C}">
                 <a14:useLocalDpi xmlns:a14="http://schemas.microsoft.com/office/drawing/2010/main" val="0"/>
@@ -7377,7 +8655,7 @@
     <p:bg>
       <p:bgPr>
         <a:blipFill rotWithShape="1">
-          <a:blip r:embed="rId2">
+          <a:blip r:embed="rId3">
             <a:duotone>
               <a:schemeClr val="bg2">
                 <a:shade val="80000"/>
@@ -7654,7 +8932,7 @@
           </p:nvPr>
         </p:nvPicPr>
         <p:blipFill rotWithShape="1">
-          <a:blip r:embed="rId3">
+          <a:blip r:embed="rId4">
             <a:extLst>
               <a:ext uri="{28A0092B-C50C-407E-A947-70E740481C1C}">
                 <a14:useLocalDpi xmlns:a14="http://schemas.microsoft.com/office/drawing/2010/main" val="0"/>
@@ -7689,7 +8967,7 @@
           <p:nvPr/>
         </p:nvPicPr>
         <p:blipFill rotWithShape="1">
-          <a:blip r:embed="rId4"/>
+          <a:blip r:embed="rId5"/>
           <a:srcRect t="-1" b="234"/>
           <a:stretch/>
         </p:blipFill>
@@ -7722,7 +9000,7 @@
     <p:bg>
       <p:bgPr>
         <a:blipFill rotWithShape="1">
-          <a:blip r:embed="rId2">
+          <a:blip r:embed="rId3">
             <a:duotone>
               <a:schemeClr val="bg2">
                 <a:shade val="80000"/>
@@ -7802,7 +9080,7 @@
           <p:nvPr/>
         </p:nvPicPr>
         <p:blipFill rotWithShape="1">
-          <a:blip r:embed="rId3">
+          <a:blip r:embed="rId4">
             <a:extLst>
               <a:ext uri="{28A0092B-C50C-407E-A947-70E740481C1C}">
                 <a14:useLocalDpi xmlns:a14="http://schemas.microsoft.com/office/drawing/2010/main" val="0"/>
@@ -8179,7 +9457,7 @@
           </p:nvPr>
         </p:nvPicPr>
         <p:blipFill rotWithShape="1">
-          <a:blip r:embed="rId4">
+          <a:blip r:embed="rId5">
             <a:extLst>
               <a:ext uri="{28A0092B-C50C-407E-A947-70E740481C1C}">
                 <a14:useLocalDpi xmlns:a14="http://schemas.microsoft.com/office/drawing/2010/main" val="0"/>
@@ -8342,7 +9620,7 @@
           </p:nvPr>
         </p:nvPicPr>
         <p:blipFill>
-          <a:blip r:embed="rId2"/>
+          <a:blip r:embed="rId3"/>
           <a:stretch>
             <a:fillRect/>
           </a:stretch>
@@ -8625,7 +9903,7 @@
           <p:nvPr/>
         </p:nvPicPr>
         <p:blipFill>
-          <a:blip r:embed="rId2"/>
+          <a:blip r:embed="rId3"/>
           <a:stretch>
             <a:fillRect/>
           </a:stretch>
@@ -8655,7 +9933,7 @@
           <p:nvPr/>
         </p:nvPicPr>
         <p:blipFill>
-          <a:blip r:embed="rId3"/>
+          <a:blip r:embed="rId4"/>
           <a:stretch>
             <a:fillRect/>
           </a:stretch>
@@ -8685,7 +9963,7 @@
           <p:nvPr/>
         </p:nvPicPr>
         <p:blipFill>
-          <a:blip r:embed="rId4"/>
+          <a:blip r:embed="rId5"/>
           <a:stretch>
             <a:fillRect/>
           </a:stretch>
@@ -8913,7 +10191,7 @@
           <p:nvPr/>
         </p:nvPicPr>
         <p:blipFill>
-          <a:blip r:embed="rId2"/>
+          <a:blip r:embed="rId3"/>
           <a:stretch>
             <a:fillRect/>
           </a:stretch>
@@ -8943,7 +10221,7 @@
           <p:nvPr/>
         </p:nvPicPr>
         <p:blipFill>
-          <a:blip r:embed="rId3"/>
+          <a:blip r:embed="rId4"/>
           <a:stretch>
             <a:fillRect/>
           </a:stretch>
@@ -9461,4 +10739,299 @@
     </a:ext>
   </a:extLst>
 </a:theme>
+</file>
+
+<file path=ppt/theme/theme2.xml><?xml version="1.0" encoding="utf-8"?>
+<a:theme xmlns:a="http://schemas.openxmlformats.org/drawingml/2006/main" name="Office Theme">
+  <a:themeElements>
+    <a:clrScheme name="Office">
+      <a:dk1>
+        <a:sysClr val="windowText" lastClr="000000"/>
+      </a:dk1>
+      <a:lt1>
+        <a:sysClr val="window" lastClr="FFFFFF"/>
+      </a:lt1>
+      <a:dk2>
+        <a:srgbClr val="44546A"/>
+      </a:dk2>
+      <a:lt2>
+        <a:srgbClr val="E7E6E6"/>
+      </a:lt2>
+      <a:accent1>
+        <a:srgbClr val="4472C4"/>
+      </a:accent1>
+      <a:accent2>
+        <a:srgbClr val="ED7D31"/>
+      </a:accent2>
+      <a:accent3>
+        <a:srgbClr val="A5A5A5"/>
+      </a:accent3>
+      <a:accent4>
+        <a:srgbClr val="FFC000"/>
+      </a:accent4>
+      <a:accent5>
+        <a:srgbClr val="5B9BD5"/>
+      </a:accent5>
+      <a:accent6>
+        <a:srgbClr val="70AD47"/>
+      </a:accent6>
+      <a:hlink>
+        <a:srgbClr val="0563C1"/>
+      </a:hlink>
+      <a:folHlink>
+        <a:srgbClr val="954F72"/>
+      </a:folHlink>
+    </a:clrScheme>
+    <a:fontScheme name="Office">
+      <a:majorFont>
+        <a:latin typeface="Calibri Light" panose="020F0302020204030204"/>
+        <a:ea typeface=""/>
+        <a:cs typeface=""/>
+        <a:font script="Jpan" typeface="游ゴシック Light"/>
+        <a:font script="Hang" typeface="맑은 고딕"/>
+        <a:font script="Hans" typeface="等线 Light"/>
+        <a:font script="Hant" typeface="新細明體"/>
+        <a:font script="Arab" typeface="Times New Roman"/>
+        <a:font script="Hebr" typeface="Times New Roman"/>
+        <a:font script="Thai" typeface="Angsana New"/>
+        <a:font script="Ethi" typeface="Nyala"/>
+        <a:font script="Beng" typeface="Vrinda"/>
+        <a:font script="Gujr" typeface="Shruti"/>
+        <a:font script="Khmr" typeface="MoolBoran"/>
+        <a:font script="Knda" typeface="Tunga"/>
+        <a:font script="Guru" typeface="Raavi"/>
+        <a:font script="Cans" typeface="Euphemia"/>
+        <a:font script="Cher" typeface="Plantagenet Cherokee"/>
+        <a:font script="Yiii" typeface="Microsoft Yi Baiti"/>
+        <a:font script="Tibt" typeface="Microsoft Himalaya"/>
+        <a:font script="Thaa" typeface="MV Boli"/>
+        <a:font script="Deva" typeface="Mangal"/>
+        <a:font script="Telu" typeface="Gautami"/>
+        <a:font script="Taml" typeface="Latha"/>
+        <a:font script="Syrc" typeface="Estrangelo Edessa"/>
+        <a:font script="Orya" typeface="Kalinga"/>
+        <a:font script="Mlym" typeface="Kartika"/>
+        <a:font script="Laoo" typeface="DokChampa"/>
+        <a:font script="Sinh" typeface="Iskoola Pota"/>
+        <a:font script="Mong" typeface="Mongolian Baiti"/>
+        <a:font script="Viet" typeface="Times New Roman"/>
+        <a:font script="Uigh" typeface="Microsoft Uighur"/>
+        <a:font script="Geor" typeface="Sylfaen"/>
+        <a:font script="Armn" typeface="Arial"/>
+        <a:font script="Bugi" typeface="Leelawadee UI"/>
+        <a:font script="Bopo" typeface="Microsoft JhengHei"/>
+        <a:font script="Java" typeface="Javanese Text"/>
+        <a:font script="Lisu" typeface="Segoe UI"/>
+        <a:font script="Mymr" typeface="Myanmar Text"/>
+        <a:font script="Nkoo" typeface="Ebrima"/>
+        <a:font script="Olck" typeface="Nirmala UI"/>
+        <a:font script="Osma" typeface="Ebrima"/>
+        <a:font script="Phag" typeface="Phagspa"/>
+        <a:font script="Syrn" typeface="Estrangelo Edessa"/>
+        <a:font script="Syrj" typeface="Estrangelo Edessa"/>
+        <a:font script="Syre" typeface="Estrangelo Edessa"/>
+        <a:font script="Sora" typeface="Nirmala UI"/>
+        <a:font script="Tale" typeface="Microsoft Tai Le"/>
+        <a:font script="Talu" typeface="Microsoft New Tai Lue"/>
+        <a:font script="Tfng" typeface="Ebrima"/>
+      </a:majorFont>
+      <a:minorFont>
+        <a:latin typeface="Calibri" panose="020F0502020204030204"/>
+        <a:ea typeface=""/>
+        <a:cs typeface=""/>
+        <a:font script="Jpan" typeface="游ゴシック"/>
+        <a:font script="Hang" typeface="맑은 고딕"/>
+        <a:font script="Hans" typeface="等线"/>
+        <a:font script="Hant" typeface="新細明體"/>
+        <a:font script="Arab" typeface="Arial"/>
+        <a:font script="Hebr" typeface="Arial"/>
+        <a:font script="Thai" typeface="Cordia New"/>
+        <a:font script="Ethi" typeface="Nyala"/>
+        <a:font script="Beng" typeface="Vrinda"/>
+        <a:font script="Gujr" typeface="Shruti"/>
+        <a:font script="Khmr" typeface="DaunPenh"/>
+        <a:font script="Knda" typeface="Tunga"/>
+        <a:font script="Guru" typeface="Raavi"/>
+        <a:font script="Cans" typeface="Euphemia"/>
+        <a:font script="Cher" typeface="Plantagenet Cherokee"/>
+        <a:font script="Yiii" typeface="Microsoft Yi Baiti"/>
+        <a:font script="Tibt" typeface="Microsoft Himalaya"/>
+        <a:font script="Thaa" typeface="MV Boli"/>
+        <a:font script="Deva" typeface="Mangal"/>
+        <a:font script="Telu" typeface="Gautami"/>
+        <a:font script="Taml" typeface="Latha"/>
+        <a:font script="Syrc" typeface="Estrangelo Edessa"/>
+        <a:font script="Orya" typeface="Kalinga"/>
+        <a:font script="Mlym" typeface="Kartika"/>
+        <a:font script="Laoo" typeface="DokChampa"/>
+        <a:font script="Sinh" typeface="Iskoola Pota"/>
+        <a:font script="Mong" typeface="Mongolian Baiti"/>
+        <a:font script="Viet" typeface="Arial"/>
+        <a:font script="Uigh" typeface="Microsoft Uighur"/>
+        <a:font script="Geor" typeface="Sylfaen"/>
+        <a:font script="Armn" typeface="Arial"/>
+        <a:font script="Bugi" typeface="Leelawadee UI"/>
+        <a:font script="Bopo" typeface="Microsoft JhengHei"/>
+        <a:font script="Java" typeface="Javanese Text"/>
+        <a:font script="Lisu" typeface="Segoe UI"/>
+        <a:font script="Mymr" typeface="Myanmar Text"/>
+        <a:font script="Nkoo" typeface="Ebrima"/>
+        <a:font script="Olck" typeface="Nirmala UI"/>
+        <a:font script="Osma" typeface="Ebrima"/>
+        <a:font script="Phag" typeface="Phagspa"/>
+        <a:font script="Syrn" typeface="Estrangelo Edessa"/>
+        <a:font script="Syrj" typeface="Estrangelo Edessa"/>
+        <a:font script="Syre" typeface="Estrangelo Edessa"/>
+        <a:font script="Sora" typeface="Nirmala UI"/>
+        <a:font script="Tale" typeface="Microsoft Tai Le"/>
+        <a:font script="Talu" typeface="Microsoft New Tai Lue"/>
+        <a:font script="Tfng" typeface="Ebrima"/>
+      </a:minorFont>
+    </a:fontScheme>
+    <a:fmtScheme name="Office">
+      <a:fillStyleLst>
+        <a:solidFill>
+          <a:schemeClr val="phClr"/>
+        </a:solidFill>
+        <a:gradFill rotWithShape="1">
+          <a:gsLst>
+            <a:gs pos="0">
+              <a:schemeClr val="phClr">
+                <a:lumMod val="110000"/>
+                <a:satMod val="105000"/>
+                <a:tint val="67000"/>
+              </a:schemeClr>
+            </a:gs>
+            <a:gs pos="50000">
+              <a:schemeClr val="phClr">
+                <a:lumMod val="105000"/>
+                <a:satMod val="103000"/>
+                <a:tint val="73000"/>
+              </a:schemeClr>
+            </a:gs>
+            <a:gs pos="100000">
+              <a:schemeClr val="phClr">
+                <a:lumMod val="105000"/>
+                <a:satMod val="109000"/>
+                <a:tint val="81000"/>
+              </a:schemeClr>
+            </a:gs>
+          </a:gsLst>
+          <a:lin ang="5400000" scaled="0"/>
+        </a:gradFill>
+        <a:gradFill rotWithShape="1">
+          <a:gsLst>
+            <a:gs pos="0">
+              <a:schemeClr val="phClr">
+                <a:satMod val="103000"/>
+                <a:lumMod val="102000"/>
+                <a:tint val="94000"/>
+              </a:schemeClr>
+            </a:gs>
+            <a:gs pos="50000">
+              <a:schemeClr val="phClr">
+                <a:satMod val="110000"/>
+                <a:lumMod val="100000"/>
+                <a:shade val="100000"/>
+              </a:schemeClr>
+            </a:gs>
+            <a:gs pos="100000">
+              <a:schemeClr val="phClr">
+                <a:lumMod val="99000"/>
+                <a:satMod val="120000"/>
+                <a:shade val="78000"/>
+              </a:schemeClr>
+            </a:gs>
+          </a:gsLst>
+          <a:lin ang="5400000" scaled="0"/>
+        </a:gradFill>
+      </a:fillStyleLst>
+      <a:lnStyleLst>
+        <a:ln w="6350" cap="flat" cmpd="sng" algn="ctr">
+          <a:solidFill>
+            <a:schemeClr val="phClr"/>
+          </a:solidFill>
+          <a:prstDash val="solid"/>
+          <a:miter lim="800000"/>
+        </a:ln>
+        <a:ln w="12700" cap="flat" cmpd="sng" algn="ctr">
+          <a:solidFill>
+            <a:schemeClr val="phClr"/>
+          </a:solidFill>
+          <a:prstDash val="solid"/>
+          <a:miter lim="800000"/>
+        </a:ln>
+        <a:ln w="19050" cap="flat" cmpd="sng" algn="ctr">
+          <a:solidFill>
+            <a:schemeClr val="phClr"/>
+          </a:solidFill>
+          <a:prstDash val="solid"/>
+          <a:miter lim="800000"/>
+        </a:ln>
+      </a:lnStyleLst>
+      <a:effectStyleLst>
+        <a:effectStyle>
+          <a:effectLst/>
+        </a:effectStyle>
+        <a:effectStyle>
+          <a:effectLst/>
+        </a:effectStyle>
+        <a:effectStyle>
+          <a:effectLst>
+            <a:outerShdw blurRad="57150" dist="19050" dir="5400000" algn="ctr" rotWithShape="0">
+              <a:srgbClr val="000000">
+                <a:alpha val="63000"/>
+              </a:srgbClr>
+            </a:outerShdw>
+          </a:effectLst>
+        </a:effectStyle>
+      </a:effectStyleLst>
+      <a:bgFillStyleLst>
+        <a:solidFill>
+          <a:schemeClr val="phClr"/>
+        </a:solidFill>
+        <a:solidFill>
+          <a:schemeClr val="phClr">
+            <a:tint val="95000"/>
+            <a:satMod val="170000"/>
+          </a:schemeClr>
+        </a:solidFill>
+        <a:gradFill rotWithShape="1">
+          <a:gsLst>
+            <a:gs pos="0">
+              <a:schemeClr val="phClr">
+                <a:tint val="93000"/>
+                <a:satMod val="150000"/>
+                <a:shade val="98000"/>
+                <a:lumMod val="102000"/>
+              </a:schemeClr>
+            </a:gs>
+            <a:gs pos="50000">
+              <a:schemeClr val="phClr">
+                <a:tint val="98000"/>
+                <a:satMod val="130000"/>
+                <a:shade val="90000"/>
+                <a:lumMod val="103000"/>
+              </a:schemeClr>
+            </a:gs>
+            <a:gs pos="100000">
+              <a:schemeClr val="phClr">
+                <a:shade val="63000"/>
+                <a:satMod val="120000"/>
+              </a:schemeClr>
+            </a:gs>
+          </a:gsLst>
+          <a:lin ang="5400000" scaled="0"/>
+        </a:gradFill>
+      </a:bgFillStyleLst>
+    </a:fmtScheme>
+  </a:themeElements>
+  <a:objectDefaults/>
+  <a:extraClrSchemeLst/>
+  <a:extLst>
+    <a:ext uri="{05A4C25C-085E-4340-85A3-A5531E510DB2}">
+      <thm15:themeFamily xmlns:thm15="http://schemas.microsoft.com/office/thememl/2012/main" name="Office Theme" id="{62F939B6-93AF-4DB8-9C6B-D6C7DFDC589F}" vid="{4A3C46E8-61CC-4603-A589-7422A47A8E4A}"/>
+    </a:ext>
+  </a:extLst>
+</a:theme>
 </file>
--- a/Gamerlytics.pptx
+++ b/Gamerlytics.pptx
@@ -130,8 +130,8 @@
 <p1510:revInfo xmlns:a="http://schemas.openxmlformats.org/drawingml/2006/main" xmlns:r="http://schemas.openxmlformats.org/officeDocument/2006/relationships" xmlns:p1510="http://schemas.microsoft.com/office/powerpoint/2015/10/main">
   <p1510:revLst>
     <p1510:client id="{00AF5B10-72A0-243B-E33D-F29160F8E8DD}" v="102" dt="2022-11-01T21:23:21.627"/>
-    <p1510:client id="{13F6559C-1CCA-4BAF-ACF1-98360DFCE382}" v="1985" dt="2022-11-01T21:16:26.910"/>
-    <p1510:client id="{21EDD1E8-563F-8B02-076B-02AEFDB87AA3}" v="460" dt="2022-11-01T21:08:42.496"/>
+    <p1510:client id="{13F6559C-1CCA-4BAF-ACF1-98360DFCE382}" v="2021" dt="2022-11-01T23:42:49.549"/>
+    <p1510:client id="{21EDD1E8-563F-8B02-076B-02AEFDB87AA3}" v="466" dt="2022-11-01T23:16:55.216"/>
     <p1510:client id="{64552D0C-7598-3C2F-4548-5B915450E239}" v="209" dt="2022-11-01T03:29:18.071"/>
     <p1510:client id="{89DE8282-0472-464F-855D-D6C0FA32174D}" v="381" dt="2022-11-01T09:31:25.082"/>
     <p1510:client id="{A531EB10-622E-6620-1912-E8C1E2684326}" v="360" vWet="361" dt="2022-11-01T02:51:56.344"/>
@@ -7873,6 +7873,20 @@
 <file path=ppt/slides/slide12.xml><?xml version="1.0" encoding="utf-8"?>
 <p:sld xmlns:a="http://schemas.openxmlformats.org/drawingml/2006/main" xmlns:r="http://schemas.openxmlformats.org/officeDocument/2006/relationships" xmlns:p="http://schemas.openxmlformats.org/presentationml/2006/main">
   <p:cSld>
+    <p:bg>
+      <p:bgPr>
+        <a:blipFill dpi="0" rotWithShape="1">
+          <a:blip r:embed="rId3">
+            <a:lum/>
+          </a:blip>
+          <a:srcRect/>
+          <a:stretch>
+            <a:fillRect t="-83000" b="-83000"/>
+          </a:stretch>
+        </a:blipFill>
+        <a:effectLst/>
+      </p:bgPr>
+    </p:bg>
     <p:spTree>
       <p:nvGrpSpPr>
         <p:cNvPr id="1" name=""/>
@@ -7931,7 +7945,12 @@
             <p:ph idx="1"/>
           </p:nvPr>
         </p:nvSpPr>
-        <p:spPr/>
+        <p:spPr>
+          <a:xfrm>
+            <a:off x="3094182" y="1732449"/>
+            <a:ext cx="6391564" cy="4058751"/>
+          </a:xfrm>
+        </p:spPr>
         <p:txBody>
           <a:bodyPr/>
           <a:lstStyle/>
@@ -8156,7 +8175,7 @@
                 </a:solidFill>
                 <a:effectLst/>
               </a:rPr>
-              <a:t>Analyze data from the popular gaming platform, Steam, to understand how key influencers such as price and game ratings are driving gamer behavior and game popularity.</a:t>
+              <a:t>Analyze data from the popular gaming platform, Steam, to understand how key influencers such as price, ratings and playtime are driving both gamer behavior and game popularity.</a:t>
             </a:r>
           </a:p>
         </p:txBody>
@@ -8526,11 +8545,11 @@
         </p:spPr>
         <p:txBody>
           <a:bodyPr anchor="t">
-            <a:normAutofit/>
+            <a:normAutofit lnSpcReduction="10000"/>
           </a:bodyPr>
           <a:lstStyle/>
           <a:p>
-            <a:pPr>
+            <a:pPr indent="-305435">
               <a:lnSpc>
                 <a:spcPct val="90000"/>
               </a:lnSpc>
@@ -8539,16 +8558,25 @@
               <a:rPr lang="en-US" sz="1500"/>
               <a:t>Data was retrieved via API calls from various Steam sources and combined</a:t>
             </a:r>
-          </a:p>
-          <a:p>
-            <a:pPr lvl="1">
+            <a:endParaRPr lang="en-US"/>
+          </a:p>
+          <a:p>
+            <a:pPr marL="719455" lvl="1" indent="-269875">
               <a:lnSpc>
                 <a:spcPct val="90000"/>
               </a:lnSpc>
             </a:pPr>
             <a:r>
               <a:rPr lang="en-US" sz="1500"/>
-              <a:t>Steamspy.com was used to retrieve game info: ID, game name, developer, publisher, positive &amp; negative ratings, owners, price info, concurrent users and game time averages [</a:t>
+              <a:t>Steamspy.com/</a:t>
+            </a:r>
+            <a:r>
+              <a:rPr lang="en-US" sz="1500" err="1"/>
+              <a:t>api</a:t>
+            </a:r>
+            <a:r>
+              <a:rPr lang="en-US" sz="1500"/>
+              <a:t> was used to retrieve game info: ID, game name, developer, publisher, positive &amp; negative ratings, owners, price info, concurrent users and game time averages [</a:t>
             </a:r>
             <a:r>
               <a:rPr lang="en-US" sz="1500">
@@ -8557,29 +8585,6 @@
                 </a:solidFill>
               </a:rPr>
               <a:t>returned 24,735 records</a:t>
-            </a:r>
-            <a:r>
-              <a:rPr lang="en-US" sz="1500"/>
-              <a:t>]</a:t>
-            </a:r>
-          </a:p>
-          <a:p>
-            <a:pPr marL="719455" lvl="1" indent="-269875">
-              <a:lnSpc>
-                <a:spcPct val="90000"/>
-              </a:lnSpc>
-            </a:pPr>
-            <a:r>
-              <a:rPr lang="en-US" sz="1500"/>
-              <a:t>Api.steampowerd.com was used to retrieve current player count by game id [</a:t>
-            </a:r>
-            <a:r>
-              <a:rPr lang="en-US" sz="1500">
-                <a:solidFill>
-                  <a:srgbClr val="0070C0"/>
-                </a:solidFill>
-              </a:rPr>
-              <a:t>returned 21,119 records</a:t>
             </a:r>
             <a:r>
               <a:rPr lang="en-US" sz="1500"/>
@@ -8605,34 +8610,128 @@
             </a:endParaRPr>
           </a:p>
           <a:p>
-            <a:pPr>
+            <a:pPr marL="719455" lvl="1" indent="-269875">
               <a:lnSpc>
                 <a:spcPct val="90000"/>
               </a:lnSpc>
             </a:pPr>
             <a:r>
               <a:rPr lang="en-US" sz="1500"/>
-              <a:t>After analyzing the retrieved data, we identified the key influencers we wanted to analyze in our project, such as price, players, concurrent players, average game time and ratings</a:t>
-            </a:r>
-          </a:p>
-          <a:p>
-            <a:pPr>
+              <a:t>Api.steampowerd.com was used to retrieve current player count by game id [</a:t>
+            </a:r>
+            <a:r>
+              <a:rPr lang="en-US" sz="1500">
+                <a:solidFill>
+                  <a:srgbClr val="0070C0"/>
+                </a:solidFill>
+              </a:rPr>
+              <a:t>returned 21,119 records</a:t>
+            </a:r>
+            <a:r>
+              <a:rPr lang="en-US" sz="1500"/>
+              <a:t>]</a:t>
+            </a:r>
+            <a:endParaRPr lang="en-US" sz="1500">
+              <a:ln>
+                <a:solidFill>
+                  <a:prstClr val="black">
+                    <a:lumMod val="75000"/>
+                    <a:lumOff val="25000"/>
+                    <a:alpha val="10000"/>
+                  </a:prstClr>
+                </a:solidFill>
+              </a:ln>
+              <a:effectLst>
+                <a:outerShdw blurRad="9525" dist="25400" dir="14640000" algn="tl" rotWithShape="0">
+                  <a:prstClr val="black">
+                    <a:alpha val="30000"/>
+                  </a:prstClr>
+                </a:outerShdw>
+              </a:effectLst>
+            </a:endParaRPr>
+          </a:p>
+          <a:p>
+            <a:pPr indent="-305435">
               <a:lnSpc>
                 <a:spcPct val="90000"/>
               </a:lnSpc>
             </a:pPr>
             <a:r>
               <a:rPr lang="en-US" sz="1500"/>
-              <a:t>We assigned data types and created a csv file for our analysis</a:t>
-            </a:r>
-          </a:p>
-          <a:p>
-            <a:pPr>
+              <a:t>After analyzing the retrieved data, we identified the key influencers we wanted to analyze in our project, such as price, players, concurrent players, average game time and ratings</a:t>
+            </a:r>
+            <a:endParaRPr lang="en-US" sz="1500">
+              <a:ln>
+                <a:solidFill>
+                  <a:prstClr val="black">
+                    <a:lumMod val="75000"/>
+                    <a:lumOff val="25000"/>
+                    <a:alpha val="10000"/>
+                  </a:prstClr>
+                </a:solidFill>
+              </a:ln>
+              <a:effectLst>
+                <a:outerShdw blurRad="9525" dist="25400" dir="14640000" algn="tl" rotWithShape="0">
+                  <a:prstClr val="black">
+                    <a:alpha val="30000"/>
+                  </a:prstClr>
+                </a:outerShdw>
+              </a:effectLst>
+            </a:endParaRPr>
+          </a:p>
+          <a:p>
+            <a:pPr indent="-305435">
               <a:lnSpc>
                 <a:spcPct val="90000"/>
               </a:lnSpc>
             </a:pPr>
-            <a:endParaRPr lang="en-US" sz="1500"/>
+            <a:r>
+              <a:rPr lang="en-US" sz="1500"/>
+              <a:t>We assigned data types and created a csv file for our analysis</a:t>
+            </a:r>
+            <a:endParaRPr lang="en-US" sz="1500">
+              <a:ln>
+                <a:solidFill>
+                  <a:prstClr val="black">
+                    <a:lumMod val="75000"/>
+                    <a:lumOff val="25000"/>
+                    <a:alpha val="10000"/>
+                  </a:prstClr>
+                </a:solidFill>
+              </a:ln>
+              <a:effectLst>
+                <a:outerShdw blurRad="9525" dist="25400" dir="14640000" algn="tl" rotWithShape="0">
+                  <a:prstClr val="black">
+                    <a:alpha val="30000"/>
+                  </a:prstClr>
+                </a:outerShdw>
+              </a:effectLst>
+            </a:endParaRPr>
+          </a:p>
+          <a:p>
+            <a:pPr indent="-305435">
+              <a:lnSpc>
+                <a:spcPct val="90000"/>
+              </a:lnSpc>
+            </a:pPr>
+            <a:endParaRPr lang="en-US" sz="1500">
+              <a:ln>
+                <a:solidFill>
+                  <a:prstClr val="black">
+                    <a:lumMod val="75000"/>
+                    <a:lumOff val="25000"/>
+                    <a:alpha val="10000"/>
+                  </a:prstClr>
+                </a:solidFill>
+              </a:ln>
+              <a:effectLst>
+                <a:outerShdw blurRad="9525" dist="25400" dir="14640000" algn="tl" rotWithShape="0">
+                  <a:prstClr val="black">
+                    <a:alpha val="30000"/>
+                  </a:prstClr>
+                </a:outerShdw>
+              </a:effectLst>
+            </a:endParaRPr>
           </a:p>
         </p:txBody>
       </p:sp>

--- a/Gamerlytics.pptx
+++ b/Gamerlytics.pptx
@@ -7665,7 +7665,7 @@
           <a:lstStyle/>
           <a:p>
             <a:r>
-              <a:rPr lang="en-US">
+              <a:rPr lang="en-US" dirty="0">
                 <a:ln>
                   <a:solidFill>
                     <a:prstClr val="black">
@@ -7686,7 +7686,7 @@
               <a:t>Gamer Engagement Analysis</a:t>
             </a:r>
             <a:br>
-              <a:rPr lang="en-US">
+              <a:rPr lang="en-US" dirty="0">
                 <a:ln>
                   <a:solidFill>
                     <a:prstClr val="black">
@@ -7706,7 +7706,7 @@
               </a:rPr>
             </a:br>
             <a:r>
-              <a:rPr lang="en-US" sz="2000">
+              <a:rPr lang="en-US" sz="2000" dirty="0">
                 <a:ln>
                   <a:solidFill>
                     <a:prstClr val="black">
@@ -7729,7 +7729,7 @@
               </a:rPr>
               <a:t>How engaged are players in the past 2 weeks?</a:t>
             </a:r>
-            <a:endParaRPr lang="en-US" sz="2000">
+            <a:endParaRPr lang="en-US" sz="2000" dirty="0">
               <a:solidFill>
                 <a:srgbClr val="0070C0"/>
               </a:solidFill>
@@ -9236,7 +9236,7 @@
               </a:buClr>
             </a:pPr>
             <a:r>
-              <a:rPr lang="en-US" sz="1500"/>
+              <a:rPr lang="en-US" sz="1500" dirty="0"/>
               <a:t>Hypothesis Question</a:t>
             </a:r>
           </a:p>
@@ -9250,7 +9250,7 @@
               </a:buClr>
               <a:buNone/>
             </a:pPr>
-            <a:endParaRPr lang="en-US" sz="1500">
+            <a:endParaRPr lang="en-US" sz="1500" dirty="0">
               <a:ln>
                 <a:solidFill>
                   <a:prstClr val="black">
@@ -9279,10 +9279,10 @@
               </a:buClr>
             </a:pPr>
             <a:r>
-              <a:rPr lang="en-US" sz="1500"/>
+              <a:rPr lang="en-US" sz="1500" dirty="0"/>
               <a:t>Correlations and trends:</a:t>
             </a:r>
-            <a:endParaRPr lang="en-US" sz="1500">
+            <a:endParaRPr lang="en-US" sz="1500" dirty="0">
               <a:ln>
                 <a:solidFill>
                   <a:prstClr val="black">
@@ -9311,10 +9311,10 @@
               </a:buClr>
             </a:pPr>
             <a:r>
-              <a:rPr lang="en-US" sz="1500"/>
+              <a:rPr lang="en-US" sz="1500" dirty="0"/>
               <a:t>Price and number of players</a:t>
             </a:r>
-            <a:endParaRPr lang="en-US" sz="1500">
+            <a:endParaRPr lang="en-US" sz="1500" dirty="0">
               <a:ln>
                 <a:solidFill>
                   <a:prstClr val="black">
@@ -9343,7 +9343,7 @@
               </a:buClr>
             </a:pPr>
             <a:r>
-              <a:rPr lang="en-US" sz="1500"/>
+              <a:rPr lang="en-US" sz="1500" dirty="0"/>
               <a:t>Ratings and price</a:t>
             </a:r>
           </a:p>
@@ -9356,6 +9356,58 @@
                 <a:srgbClr val="4EE2F8"/>
               </a:buClr>
             </a:pPr>
+            <a:r>
+              <a:rPr lang="en-US" sz="1500" dirty="0">
+                <a:ln>
+                  <a:solidFill>
+                    <a:prstClr val="black">
+                      <a:lumMod val="75000"/>
+                      <a:lumOff val="25000"/>
+                      <a:alpha val="10000"/>
+                    </a:prstClr>
+                  </a:solidFill>
+                </a:ln>
+                <a:effectLst>
+                  <a:outerShdw blurRad="9525" dist="25400" dir="14640000" algn="tl" rotWithShape="0">
+                    <a:prstClr val="black">
+                      <a:alpha val="30000"/>
+                    </a:prstClr>
+                  </a:outerShdw>
+                </a:effectLst>
+              </a:rPr>
+              <a:t>Players and average game time</a:t>
+            </a:r>
+          </a:p>
+          <a:p>
+            <a:pPr marL="719455" lvl="1" indent="-269875">
+              <a:lnSpc>
+                <a:spcPct val="90000"/>
+              </a:lnSpc>
+              <a:buClr>
+                <a:srgbClr val="4EE2F8"/>
+              </a:buClr>
+            </a:pPr>
+            <a:r>
+              <a:rPr lang="en-US" sz="1500" dirty="0">
+                <a:ln>
+                  <a:solidFill>
+                    <a:prstClr val="black">
+                      <a:lumMod val="75000"/>
+                      <a:lumOff val="25000"/>
+                      <a:alpha val="10000"/>
+                    </a:prstClr>
+                  </a:solidFill>
+                </a:ln>
+                <a:effectLst>
+                  <a:outerShdw blurRad="9525" dist="25400" dir="14640000" algn="tl" rotWithShape="0">
+                    <a:prstClr val="black">
+                      <a:alpha val="30000"/>
+                    </a:prstClr>
+                  </a:outerShdw>
+                </a:effectLst>
+              </a:rPr>
+              <a:t>Players and </a:t>
+            </a:r>
             <a:r>
               <a:rPr lang="en-US" sz="1500">
                 <a:ln>
@@ -9375,51 +9427,9 @@
                   </a:outerShdw>
                 </a:effectLst>
               </a:rPr>
-              <a:t>Players and average game time</a:t>
-            </a:r>
-          </a:p>
-          <a:p>
-            <a:pPr marL="719455" lvl="1" indent="-269875">
-              <a:lnSpc>
-                <a:spcPct val="90000"/>
-              </a:lnSpc>
-              <a:buClr>
-                <a:srgbClr val="4EE2F8"/>
-              </a:buClr>
-            </a:pPr>
-            <a:r>
-              <a:rPr lang="en-US" sz="1500">
-                <a:ln>
-                  <a:solidFill>
-                    <a:prstClr val="black">
-                      <a:lumMod val="75000"/>
-                      <a:lumOff val="25000"/>
-                      <a:alpha val="10000"/>
-                    </a:prstClr>
-                  </a:solidFill>
-                </a:ln>
-                <a:effectLst>
-                  <a:outerShdw blurRad="9525" dist="25400" dir="14640000" algn="tl" rotWithShape="0">
-                    <a:prstClr val="black">
-                      <a:alpha val="30000"/>
-                    </a:prstClr>
-                  </a:outerShdw>
-                </a:effectLst>
-              </a:rPr>
-              <a:t>Players and positive rating</a:t>
-            </a:r>
-          </a:p>
-          <a:p>
-            <a:pPr marL="449580" lvl="1" indent="0">
-              <a:lnSpc>
-                <a:spcPct val="90000"/>
-              </a:lnSpc>
-              <a:buClr>
-                <a:srgbClr val="4EE2F8"/>
-              </a:buClr>
-              <a:buNone/>
-            </a:pPr>
-            <a:endParaRPr lang="en-US" sz="1500">
+              <a:t>positive rating</a:t>
+            </a:r>
+            <a:endParaRPr lang="en-US" sz="1500" dirty="0">
               <a:ln>
                 <a:solidFill>
                   <a:prstClr val="black">
@@ -9448,10 +9458,44 @@
               </a:buClr>
             </a:pPr>
             <a:r>
-              <a:rPr lang="en-US" sz="1500"/>
-              <a:t>Publisher comparisons</a:t>
-            </a:r>
-            <a:endParaRPr lang="en-US" sz="1500">
+              <a:rPr lang="en-US" sz="1500" dirty="0"/>
+              <a:t>Gamer Engagement Analysis:</a:t>
+            </a:r>
+          </a:p>
+          <a:p>
+            <a:pPr lvl="1" indent="-305435">
+              <a:lnSpc>
+                <a:spcPct val="90000"/>
+              </a:lnSpc>
+              <a:buClr>
+                <a:srgbClr val="4EE2F8"/>
+              </a:buClr>
+            </a:pPr>
+            <a:r>
+              <a:rPr lang="en-US" sz="1400" dirty="0">
+                <a:ln>
+                  <a:solidFill>
+                    <a:prstClr val="black">
+                      <a:lumMod val="75000"/>
+                      <a:lumOff val="25000"/>
+                      <a:alpha val="10000"/>
+                    </a:prstClr>
+                  </a:solidFill>
+                </a:ln>
+                <a:solidFill>
+                  <a:schemeClr val="tx1"/>
+                </a:solidFill>
+                <a:effectLst>
+                  <a:outerShdw blurRad="9525" dist="25400" dir="14640000" algn="tl" rotWithShape="0">
+                    <a:prstClr val="black">
+                      <a:alpha val="30000"/>
+                    </a:prstClr>
+                  </a:outerShdw>
+                </a:effectLst>
+              </a:rPr>
+              <a:t>How engaged are players in the past 2 weeks?</a:t>
+            </a:r>
+            <a:endParaRPr lang="en-US" sz="1300" dirty="0">
               <a:ln>
                 <a:solidFill>
                   <a:prstClr val="black">
@@ -9461,66 +9505,9 @@
                   </a:prstClr>
                 </a:solidFill>
               </a:ln>
-              <a:effectLst>
-                <a:outerShdw blurRad="9525" dist="25400" dir="14640000" algn="tl" rotWithShape="0">
-                  <a:prstClr val="black">
-                    <a:alpha val="30000"/>
-                  </a:prstClr>
-                </a:outerShdw>
-              </a:effectLst>
-            </a:endParaRPr>
-          </a:p>
-          <a:p>
-            <a:pPr marL="719455" lvl="1" indent="-269875">
-              <a:lnSpc>
-                <a:spcPct val="90000"/>
-              </a:lnSpc>
-              <a:buClr>
-                <a:srgbClr val="4EE2F8"/>
-              </a:buClr>
-            </a:pPr>
-            <a:r>
-              <a:rPr lang="en-US" sz="1500">
-                <a:ln>
-                  <a:solidFill>
-                    <a:prstClr val="black">
-                      <a:lumMod val="75000"/>
-                      <a:lumOff val="25000"/>
-                      <a:alpha val="10000"/>
-                    </a:prstClr>
-                  </a:solidFill>
-                </a:ln>
-                <a:effectLst>
-                  <a:outerShdw blurRad="9525" dist="25400" dir="14640000" algn="tl" rotWithShape="0">
-                    <a:prstClr val="black">
-                      <a:alpha val="30000"/>
-                    </a:prstClr>
-                  </a:outerShdw>
-                </a:effectLst>
-              </a:rPr>
-              <a:t>Identify top game publishers with most potential growth in the short-run</a:t>
-            </a:r>
-          </a:p>
-          <a:p>
-            <a:pPr marL="449580" lvl="1" indent="0">
-              <a:lnSpc>
-                <a:spcPct val="90000"/>
-              </a:lnSpc>
-              <a:buClr>
-                <a:srgbClr val="4EE2F8"/>
-              </a:buClr>
-              <a:buNone/>
-            </a:pPr>
-            <a:endParaRPr lang="en-US" sz="1500">
-              <a:ln>
-                <a:solidFill>
-                  <a:prstClr val="black">
-                    <a:lumMod val="75000"/>
-                    <a:lumOff val="25000"/>
-                    <a:alpha val="10000"/>
-                  </a:prstClr>
-                </a:solidFill>
-              </a:ln>
+              <a:solidFill>
+                <a:schemeClr val="tx1"/>
+              </a:solidFill>
               <a:effectLst>
                 <a:outerShdw blurRad="9525" dist="25400" dir="14640000" algn="tl" rotWithShape="0">
                   <a:prstClr val="black">
